--- a/swetha/basics/docs/careerscale Java training - basics.pptx
+++ b/swetha/basics/docs/careerscale Java training - basics.pptx
@@ -5,10 +5,10 @@
     <p:sldMasterId id="2147483654" r:id="rId1"/>
   </p:sldMasterIdLst>
   <p:notesMasterIdLst>
-    <p:notesMasterId r:id="rId32"/>
+    <p:notesMasterId r:id="rId33"/>
   </p:notesMasterIdLst>
   <p:handoutMasterIdLst>
-    <p:handoutMasterId r:id="rId33"/>
+    <p:handoutMasterId r:id="rId34"/>
   </p:handoutMasterIdLst>
   <p:sldIdLst>
     <p:sldId id="256" r:id="rId2"/>
@@ -39,8 +39,9 @@
     <p:sldId id="283" r:id="rId27"/>
     <p:sldId id="282" r:id="rId28"/>
     <p:sldId id="280" r:id="rId29"/>
-    <p:sldId id="272" r:id="rId30"/>
-    <p:sldId id="273" r:id="rId31"/>
+    <p:sldId id="286" r:id="rId30"/>
+    <p:sldId id="272" r:id="rId31"/>
+    <p:sldId id="273" r:id="rId32"/>
   </p:sldIdLst>
   <p:sldSz cx="10160000" cy="7620000"/>
   <p:notesSz cx="7620000" cy="10160000"/>
@@ -340,7 +341,7 @@
           <a:p>
             <a:fld id="{6EA59831-A4FD-404B-A574-E17A0D707D79}" type="datetimeFigureOut">
               <a:rPr lang="en-US" smtClean="0"/>
-              <a:t>6/26/2014</a:t>
+              <a:t>7/11/2014</a:t>
             </a:fld>
             <a:endParaRPr lang="en-US"/>
           </a:p>
@@ -2682,7 +2683,7 @@
           <a:p>
             <a:fld id="{7335BCAD-28A3-2344-B091-C05A95719D93}" type="datetime1">
               <a:rPr lang="en-US" smtClean="0"/>
-              <a:t>6/26/2014</a:t>
+              <a:t>7/11/2014</a:t>
             </a:fld>
             <a:endParaRPr lang="en-US"/>
           </a:p>
@@ -2852,7 +2853,7 @@
           <a:p>
             <a:fld id="{F2B52071-BC3D-194C-80EE-748C4FC80A05}" type="datetime1">
               <a:rPr lang="en-US" smtClean="0"/>
-              <a:t>6/26/2014</a:t>
+              <a:t>7/11/2014</a:t>
             </a:fld>
             <a:endParaRPr lang="en-US"/>
           </a:p>
@@ -3032,7 +3033,7 @@
           <a:p>
             <a:fld id="{D75BD0DF-E091-F54A-B991-4570D5265414}" type="datetime1">
               <a:rPr lang="en-US" smtClean="0"/>
-              <a:t>6/26/2014</a:t>
+              <a:t>7/11/2014</a:t>
             </a:fld>
             <a:endParaRPr lang="en-US"/>
           </a:p>
@@ -3202,7 +3203,7 @@
           <a:p>
             <a:fld id="{B59BAAC8-A4DE-8341-AB28-11AAE34E1314}" type="datetime1">
               <a:rPr lang="en-US" smtClean="0"/>
-              <a:t>6/26/2014</a:t>
+              <a:t>7/11/2014</a:t>
             </a:fld>
             <a:endParaRPr lang="en-US"/>
           </a:p>
@@ -3448,7 +3449,7 @@
           <a:p>
             <a:fld id="{452015B4-E5E9-0443-A493-BA477117441B}" type="datetime1">
               <a:rPr lang="en-US" smtClean="0"/>
-              <a:t>6/26/2014</a:t>
+              <a:t>7/11/2014</a:t>
             </a:fld>
             <a:endParaRPr lang="en-US"/>
           </a:p>
@@ -3736,7 +3737,7 @@
           <a:p>
             <a:fld id="{F6031484-A76B-FC49-953D-8EF79E6BF931}" type="datetime1">
               <a:rPr lang="en-US" smtClean="0"/>
-              <a:t>6/26/2014</a:t>
+              <a:t>7/11/2014</a:t>
             </a:fld>
             <a:endParaRPr lang="en-US"/>
           </a:p>
@@ -4158,7 +4159,7 @@
           <a:p>
             <a:fld id="{116C9722-D8C0-D44D-8937-4C0A36437D48}" type="datetime1">
               <a:rPr lang="en-US" smtClean="0"/>
-              <a:t>6/26/2014</a:t>
+              <a:t>7/11/2014</a:t>
             </a:fld>
             <a:endParaRPr lang="en-US"/>
           </a:p>
@@ -4276,7 +4277,7 @@
           <a:p>
             <a:fld id="{8EEABCDF-6945-8448-818E-02D7FAFF00FC}" type="datetime1">
               <a:rPr lang="en-US" smtClean="0"/>
-              <a:t>6/26/2014</a:t>
+              <a:t>7/11/2014</a:t>
             </a:fld>
             <a:endParaRPr lang="en-US"/>
           </a:p>
@@ -4371,7 +4372,7 @@
           <a:p>
             <a:fld id="{6BDC594B-4352-354E-957E-A6BD7381F993}" type="datetime1">
               <a:rPr lang="en-US" smtClean="0"/>
-              <a:t>6/26/2014</a:t>
+              <a:t>7/11/2014</a:t>
             </a:fld>
             <a:endParaRPr lang="en-US"/>
           </a:p>
@@ -4648,7 +4649,7 @@
           <a:p>
             <a:fld id="{7C3B09C4-C32A-7C49-8EBD-136015915A62}" type="datetime1">
               <a:rPr lang="en-US" smtClean="0"/>
-              <a:t>6/26/2014</a:t>
+              <a:t>7/11/2014</a:t>
             </a:fld>
             <a:endParaRPr lang="en-US"/>
           </a:p>
@@ -4901,7 +4902,7 @@
           <a:p>
             <a:fld id="{46B1F9E6-9FF6-6144-8C69-66DC0FD9BB46}" type="datetime1">
               <a:rPr lang="en-US" smtClean="0"/>
-              <a:t>6/26/2014</a:t>
+              <a:t>7/11/2014</a:t>
             </a:fld>
             <a:endParaRPr lang="en-US"/>
           </a:p>
@@ -5114,7 +5115,7 @@
           <a:p>
             <a:fld id="{C117D751-BA2E-5848-BDEF-37ADECBF10F3}" type="datetime1">
               <a:rPr lang="en-US" smtClean="0"/>
-              <a:t>6/26/2014</a:t>
+              <a:t>7/11/2014</a:t>
             </a:fld>
             <a:endParaRPr lang="en-US"/>
           </a:p>
@@ -9183,6 +9184,373 @@
   <p:cSld>
     <p:spTree>
       <p:nvGrpSpPr>
+        <p:cNvPr id="1" name=""/>
+        <p:cNvGrpSpPr/>
+        <p:nvPr/>
+      </p:nvGrpSpPr>
+      <p:grpSpPr>
+        <a:xfrm>
+          <a:off x="0" y="0"/>
+          <a:ext cx="0" cy="0"/>
+          <a:chOff x="0" y="0"/>
+          <a:chExt cx="0" cy="0"/>
+        </a:xfrm>
+      </p:grpSpPr>
+      <p:sp>
+        <p:nvSpPr>
+          <p:cNvPr id="2" name="Title 1"/>
+          <p:cNvSpPr>
+            <a:spLocks noGrp="1"/>
+          </p:cNvSpPr>
+          <p:nvPr>
+            <p:ph type="title"/>
+          </p:nvPr>
+        </p:nvSpPr>
+        <p:spPr/>
+        <p:txBody>
+          <a:bodyPr/>
+          <a:lstStyle/>
+          <a:p>
+            <a:r>
+              <a:rPr lang="en-US" dirty="0" smtClean="0"/>
+              <a:t>Collections</a:t>
+            </a:r>
+            <a:endParaRPr lang="en-US" dirty="0"/>
+          </a:p>
+        </p:txBody>
+      </p:sp>
+      <p:pic>
+        <p:nvPicPr>
+          <p:cNvPr id="1026" name="Picture 2" descr="http://www.javatpoint.com/images/collectionhierarchy.JPG"/>
+          <p:cNvPicPr>
+            <a:picLocks noChangeAspect="1" noChangeArrowheads="1"/>
+          </p:cNvPicPr>
+          <p:nvPr/>
+        </p:nvPicPr>
+        <p:blipFill>
+          <a:blip r:embed="rId2">
+            <a:extLst>
+              <a:ext uri="{28A0092B-C50C-407E-A947-70E740481C1C}">
+                <a14:useLocalDpi xmlns:a14="http://schemas.microsoft.com/office/drawing/2010/main" val="0"/>
+              </a:ext>
+            </a:extLst>
+          </a:blip>
+          <a:srcRect/>
+          <a:stretch>
+            <a:fillRect/>
+          </a:stretch>
+        </p:blipFill>
+        <p:spPr bwMode="auto">
+          <a:xfrm>
+            <a:off x="2036619" y="1666457"/>
+            <a:ext cx="6511636" cy="5432265"/>
+          </a:xfrm>
+          <a:prstGeom prst="rect">
+            <a:avLst/>
+          </a:prstGeom>
+          <a:noFill/>
+          <a:extLst>
+            <a:ext uri="{909E8E84-426E-40DD-AFC4-6F175D3DCCD1}">
+              <a14:hiddenFill xmlns:a14="http://schemas.microsoft.com/office/drawing/2010/main">
+                <a:solidFill>
+                  <a:srgbClr val="FFFFFF"/>
+                </a:solidFill>
+              </a14:hiddenFill>
+            </a:ext>
+          </a:extLst>
+        </p:spPr>
+      </p:pic>
+    </p:spTree>
+    <p:extLst>
+      <p:ext uri="{BB962C8B-B14F-4D97-AF65-F5344CB8AC3E}">
+        <p14:creationId xmlns:p14="http://schemas.microsoft.com/office/powerpoint/2010/main" val="4222395731"/>
+      </p:ext>
+    </p:extLst>
+  </p:cSld>
+  <p:clrMapOvr>
+    <a:masterClrMapping/>
+  </p:clrMapOvr>
+</p:sld>
+</file>
+
+<file path=ppt/slides/slide3.xml><?xml version="1.0" encoding="utf-8"?>
+<p:sld xmlns:a="http://schemas.openxmlformats.org/drawingml/2006/main" xmlns:r="http://schemas.openxmlformats.org/officeDocument/2006/relationships" xmlns:p="http://schemas.openxmlformats.org/presentationml/2006/main">
+  <p:cSld>
+    <p:spTree>
+      <p:nvGrpSpPr>
+        <p:cNvPr id="1" name="Shape 32"/>
+        <p:cNvGrpSpPr/>
+        <p:nvPr/>
+      </p:nvGrpSpPr>
+      <p:grpSpPr>
+        <a:xfrm>
+          <a:off x="0" y="0"/>
+          <a:ext cx="0" cy="0"/>
+          <a:chOff x="0" y="0"/>
+          <a:chExt cx="0" cy="0"/>
+        </a:xfrm>
+      </p:grpSpPr>
+      <p:sp>
+        <p:nvSpPr>
+          <p:cNvPr id="33" name="Shape 33"/>
+          <p:cNvSpPr txBox="1">
+            <a:spLocks noGrp="1"/>
+          </p:cNvSpPr>
+          <p:nvPr>
+            <p:ph type="title" idx="4294967295"/>
+          </p:nvPr>
+        </p:nvSpPr>
+        <p:spPr>
+          <a:xfrm>
+            <a:off x="1143000" y="355600"/>
+            <a:ext cx="9017000" cy="1244600"/>
+          </a:xfrm>
+          <a:prstGeom prst="rect">
+            <a:avLst/>
+          </a:prstGeom>
+        </p:spPr>
+        <p:txBody>
+          <a:bodyPr lIns="38100" tIns="38100" rIns="38100" bIns="38100" anchor="ctr" anchorCtr="0">
+            <a:noAutofit/>
+          </a:bodyPr>
+          <a:lstStyle/>
+          <a:p>
+            <a:pPr marL="0" marR="0" indent="0" algn="l" rtl="0">
+              <a:lnSpc>
+                <a:spcPct val="119922"/>
+              </a:lnSpc>
+              <a:spcBef>
+                <a:spcPts val="0"/>
+              </a:spcBef>
+              <a:spcAft>
+                <a:spcPts val="0"/>
+              </a:spcAft>
+              <a:buNone/>
+            </a:pPr>
+            <a:r>
+              <a:rPr lang="en-US" sz="3555">
+                <a:solidFill>
+                  <a:srgbClr val="990000"/>
+                </a:solidFill>
+                <a:latin typeface="Arial"/>
+                <a:ea typeface="Arial"/>
+                <a:cs typeface="Arial"/>
+                <a:sym typeface="Arial"/>
+              </a:rPr>
+              <a:t>Course Overview</a:t>
+            </a:r>
+          </a:p>
+        </p:txBody>
+      </p:sp>
+      <p:sp>
+        <p:nvSpPr>
+          <p:cNvPr id="34" name="Shape 34"/>
+          <p:cNvSpPr txBox="1">
+            <a:spLocks noGrp="1"/>
+          </p:cNvSpPr>
+          <p:nvPr>
+            <p:ph type="body" idx="4294967295"/>
+          </p:nvPr>
+        </p:nvSpPr>
+        <p:spPr>
+          <a:xfrm>
+            <a:off x="1143000" y="1828800"/>
+            <a:ext cx="9017000" cy="5003800"/>
+          </a:xfrm>
+          <a:prstGeom prst="rect">
+            <a:avLst/>
+          </a:prstGeom>
+        </p:spPr>
+        <p:txBody>
+          <a:bodyPr lIns="38100" tIns="38100" rIns="38100" bIns="38100" anchor="t" anchorCtr="0">
+            <a:noAutofit/>
+          </a:bodyPr>
+          <a:lstStyle/>
+          <a:p>
+            <a:pPr marL="0" marR="0" indent="0" algn="l" rtl="0">
+              <a:lnSpc>
+                <a:spcPct val="119791"/>
+              </a:lnSpc>
+              <a:spcBef>
+                <a:spcPts val="0"/>
+              </a:spcBef>
+              <a:spcAft>
+                <a:spcPts val="0"/>
+              </a:spcAft>
+              <a:buNone/>
+            </a:pPr>
+            <a:r>
+              <a:rPr lang="en-US" sz="2666" dirty="0">
+                <a:solidFill>
+                  <a:srgbClr val="000000"/>
+                </a:solidFill>
+                <a:latin typeface="Arial"/>
+                <a:ea typeface="Arial"/>
+                <a:cs typeface="Arial"/>
+                <a:sym typeface="Arial"/>
+              </a:rPr>
+              <a:t>This course is intended for people who:</a:t>
+            </a:r>
+          </a:p>
+          <a:p>
+            <a:pPr marL="381000" marR="0" lvl="0" indent="-220133" algn="l" rtl="0">
+              <a:lnSpc>
+                <a:spcPct val="119792"/>
+              </a:lnSpc>
+              <a:spcBef>
+                <a:spcPts val="479"/>
+              </a:spcBef>
+              <a:spcAft>
+                <a:spcPts val="0"/>
+              </a:spcAft>
+              <a:buClr>
+                <a:srgbClr val="000000"/>
+              </a:buClr>
+              <a:buSzPct val="164609"/>
+              <a:buFont typeface="Arial"/>
+              <a:buChar char="•"/>
+            </a:pPr>
+            <a:r>
+              <a:rPr lang="en-US" sz="2666" dirty="0" err="1">
+                <a:solidFill>
+                  <a:srgbClr val="000000"/>
+                </a:solidFill>
+                <a:latin typeface="Arial"/>
+                <a:ea typeface="Arial"/>
+                <a:cs typeface="Arial"/>
+                <a:sym typeface="Arial"/>
+              </a:rPr>
+              <a:t>B.Sc</a:t>
+            </a:r>
+            <a:r>
+              <a:rPr lang="en-US" sz="2666" dirty="0">
+                <a:solidFill>
+                  <a:srgbClr val="000000"/>
+                </a:solidFill>
+                <a:latin typeface="Arial"/>
+                <a:ea typeface="Arial"/>
+                <a:cs typeface="Arial"/>
+                <a:sym typeface="Arial"/>
+              </a:rPr>
+              <a:t>/</a:t>
+            </a:r>
+            <a:r>
+              <a:rPr lang="en-US" sz="2666" dirty="0" err="1">
+                <a:solidFill>
+                  <a:srgbClr val="000000"/>
+                </a:solidFill>
+                <a:latin typeface="Arial"/>
+                <a:ea typeface="Arial"/>
+                <a:cs typeface="Arial"/>
+                <a:sym typeface="Arial"/>
+              </a:rPr>
+              <a:t>B.Tech</a:t>
+            </a:r>
+            <a:r>
+              <a:rPr lang="en-US" sz="2666" dirty="0">
+                <a:solidFill>
+                  <a:srgbClr val="000000"/>
+                </a:solidFill>
+                <a:latin typeface="Arial"/>
+                <a:ea typeface="Arial"/>
+                <a:cs typeface="Arial"/>
+                <a:sym typeface="Arial"/>
+              </a:rPr>
+              <a:t> / M.C.A </a:t>
+            </a:r>
+            <a:r>
+              <a:rPr lang="en-US" sz="2666" dirty="0" err="1">
+                <a:solidFill>
+                  <a:srgbClr val="000000"/>
+                </a:solidFill>
+                <a:latin typeface="Arial"/>
+                <a:ea typeface="Arial"/>
+                <a:cs typeface="Arial"/>
+                <a:sym typeface="Arial"/>
+              </a:rPr>
+              <a:t>Freshers</a:t>
+            </a:r>
+            <a:r>
+              <a:rPr lang="en-US" sz="2666" dirty="0">
+                <a:solidFill>
+                  <a:srgbClr val="000000"/>
+                </a:solidFill>
+                <a:latin typeface="Arial"/>
+                <a:ea typeface="Arial"/>
+                <a:cs typeface="Arial"/>
+                <a:sym typeface="Arial"/>
+              </a:rPr>
+              <a:t>/Students</a:t>
+            </a:r>
+          </a:p>
+          <a:p>
+            <a:pPr marL="381000" marR="0" lvl="0" indent="-220133" algn="l" rtl="0">
+              <a:lnSpc>
+                <a:spcPct val="119792"/>
+              </a:lnSpc>
+              <a:spcBef>
+                <a:spcPts val="479"/>
+              </a:spcBef>
+              <a:spcAft>
+                <a:spcPts val="0"/>
+              </a:spcAft>
+              <a:buClr>
+                <a:srgbClr val="000000"/>
+              </a:buClr>
+              <a:buSzPct val="164609"/>
+              <a:buFont typeface="Arial"/>
+              <a:buChar char="•"/>
+            </a:pPr>
+            <a:r>
+              <a:rPr lang="en-US" sz="2666" dirty="0">
+                <a:solidFill>
+                  <a:srgbClr val="000000"/>
+                </a:solidFill>
+                <a:latin typeface="Arial"/>
+                <a:ea typeface="Arial"/>
+                <a:cs typeface="Arial"/>
+                <a:sym typeface="Arial"/>
+              </a:rPr>
+              <a:t>IT Professionals (Non Java technologies</a:t>
+            </a:r>
+            <a:r>
+              <a:rPr lang="en-US" sz="2666" dirty="0" smtClean="0">
+                <a:solidFill>
+                  <a:srgbClr val="000000"/>
+                </a:solidFill>
+                <a:latin typeface="Arial"/>
+                <a:ea typeface="Arial"/>
+                <a:cs typeface="Arial"/>
+                <a:sym typeface="Arial"/>
+              </a:rPr>
+              <a:t>)</a:t>
+            </a:r>
+          </a:p>
+        </p:txBody>
+      </p:sp>
+    </p:spTree>
+  </p:cSld>
+  <p:clrMapOvr>
+    <a:masterClrMapping/>
+  </p:clrMapOvr>
+  <p:transition spd="slow">
+    <p:cut/>
+  </p:transition>
+  <p:timing>
+    <p:tnLst>
+      <p:par>
+        <p:cTn id="1" dur="indefinite" restart="never" nodeType="tmRoot"/>
+      </p:par>
+    </p:tnLst>
+  </p:timing>
+</p:sld>
+</file>
+
+<file path=ppt/slides/slide30.xml><?xml version="1.0" encoding="utf-8"?>
+<p:sld xmlns:a="http://schemas.openxmlformats.org/drawingml/2006/main" xmlns:r="http://schemas.openxmlformats.org/officeDocument/2006/relationships" xmlns:p="http://schemas.openxmlformats.org/presentationml/2006/main">
+  <p:cSld>
+    <p:spTree>
+      <p:nvGrpSpPr>
         <p:cNvPr id="1" name="Shape 161"/>
         <p:cNvGrpSpPr/>
         <p:nvPr/>
@@ -9734,280 +10102,7 @@
 </p:sld>
 </file>
 
-<file path=ppt/slides/slide3.xml><?xml version="1.0" encoding="utf-8"?>
-<p:sld xmlns:a="http://schemas.openxmlformats.org/drawingml/2006/main" xmlns:r="http://schemas.openxmlformats.org/officeDocument/2006/relationships" xmlns:p="http://schemas.openxmlformats.org/presentationml/2006/main">
-  <p:cSld>
-    <p:spTree>
-      <p:nvGrpSpPr>
-        <p:cNvPr id="1" name="Shape 32"/>
-        <p:cNvGrpSpPr/>
-        <p:nvPr/>
-      </p:nvGrpSpPr>
-      <p:grpSpPr>
-        <a:xfrm>
-          <a:off x="0" y="0"/>
-          <a:ext cx="0" cy="0"/>
-          <a:chOff x="0" y="0"/>
-          <a:chExt cx="0" cy="0"/>
-        </a:xfrm>
-      </p:grpSpPr>
-      <p:sp>
-        <p:nvSpPr>
-          <p:cNvPr id="33" name="Shape 33"/>
-          <p:cNvSpPr txBox="1">
-            <a:spLocks noGrp="1"/>
-          </p:cNvSpPr>
-          <p:nvPr>
-            <p:ph type="title" idx="4294967295"/>
-          </p:nvPr>
-        </p:nvSpPr>
-        <p:spPr>
-          <a:xfrm>
-            <a:off x="1143000" y="355600"/>
-            <a:ext cx="9017000" cy="1244600"/>
-          </a:xfrm>
-          <a:prstGeom prst="rect">
-            <a:avLst/>
-          </a:prstGeom>
-        </p:spPr>
-        <p:txBody>
-          <a:bodyPr lIns="38100" tIns="38100" rIns="38100" bIns="38100" anchor="ctr" anchorCtr="0">
-            <a:noAutofit/>
-          </a:bodyPr>
-          <a:lstStyle/>
-          <a:p>
-            <a:pPr marL="0" marR="0" indent="0" algn="l" rtl="0">
-              <a:lnSpc>
-                <a:spcPct val="119922"/>
-              </a:lnSpc>
-              <a:spcBef>
-                <a:spcPts val="0"/>
-              </a:spcBef>
-              <a:spcAft>
-                <a:spcPts val="0"/>
-              </a:spcAft>
-              <a:buNone/>
-            </a:pPr>
-            <a:r>
-              <a:rPr lang="en-US" sz="3555">
-                <a:solidFill>
-                  <a:srgbClr val="990000"/>
-                </a:solidFill>
-                <a:latin typeface="Arial"/>
-                <a:ea typeface="Arial"/>
-                <a:cs typeface="Arial"/>
-                <a:sym typeface="Arial"/>
-              </a:rPr>
-              <a:t>Course Overview</a:t>
-            </a:r>
-          </a:p>
-        </p:txBody>
-      </p:sp>
-      <p:sp>
-        <p:nvSpPr>
-          <p:cNvPr id="34" name="Shape 34"/>
-          <p:cNvSpPr txBox="1">
-            <a:spLocks noGrp="1"/>
-          </p:cNvSpPr>
-          <p:nvPr>
-            <p:ph type="body" idx="4294967295"/>
-          </p:nvPr>
-        </p:nvSpPr>
-        <p:spPr>
-          <a:xfrm>
-            <a:off x="1143000" y="1828800"/>
-            <a:ext cx="9017000" cy="5003800"/>
-          </a:xfrm>
-          <a:prstGeom prst="rect">
-            <a:avLst/>
-          </a:prstGeom>
-        </p:spPr>
-        <p:txBody>
-          <a:bodyPr lIns="38100" tIns="38100" rIns="38100" bIns="38100" anchor="t" anchorCtr="0">
-            <a:noAutofit/>
-          </a:bodyPr>
-          <a:lstStyle/>
-          <a:p>
-            <a:pPr marL="0" marR="0" indent="0" algn="l" rtl="0">
-              <a:lnSpc>
-                <a:spcPct val="119791"/>
-              </a:lnSpc>
-              <a:spcBef>
-                <a:spcPts val="0"/>
-              </a:spcBef>
-              <a:spcAft>
-                <a:spcPts val="0"/>
-              </a:spcAft>
-              <a:buNone/>
-            </a:pPr>
-            <a:r>
-              <a:rPr lang="en-US" sz="2666" dirty="0">
-                <a:solidFill>
-                  <a:srgbClr val="000000"/>
-                </a:solidFill>
-                <a:latin typeface="Arial"/>
-                <a:ea typeface="Arial"/>
-                <a:cs typeface="Arial"/>
-                <a:sym typeface="Arial"/>
-              </a:rPr>
-              <a:t>This course is intended for people who:</a:t>
-            </a:r>
-          </a:p>
-          <a:p>
-            <a:pPr marL="381000" marR="0" lvl="0" indent="-220133" algn="l" rtl="0">
-              <a:lnSpc>
-                <a:spcPct val="119792"/>
-              </a:lnSpc>
-              <a:spcBef>
-                <a:spcPts val="479"/>
-              </a:spcBef>
-              <a:spcAft>
-                <a:spcPts val="0"/>
-              </a:spcAft>
-              <a:buClr>
-                <a:srgbClr val="000000"/>
-              </a:buClr>
-              <a:buSzPct val="164609"/>
-              <a:buFont typeface="Arial"/>
-              <a:buChar char="•"/>
-            </a:pPr>
-            <a:r>
-              <a:rPr lang="en-US" sz="2666" dirty="0" err="1">
-                <a:solidFill>
-                  <a:srgbClr val="000000"/>
-                </a:solidFill>
-                <a:latin typeface="Arial"/>
-                <a:ea typeface="Arial"/>
-                <a:cs typeface="Arial"/>
-                <a:sym typeface="Arial"/>
-              </a:rPr>
-              <a:t>B.Sc</a:t>
-            </a:r>
-            <a:r>
-              <a:rPr lang="en-US" sz="2666" dirty="0">
-                <a:solidFill>
-                  <a:srgbClr val="000000"/>
-                </a:solidFill>
-                <a:latin typeface="Arial"/>
-                <a:ea typeface="Arial"/>
-                <a:cs typeface="Arial"/>
-                <a:sym typeface="Arial"/>
-              </a:rPr>
-              <a:t>/</a:t>
-            </a:r>
-            <a:r>
-              <a:rPr lang="en-US" sz="2666" dirty="0" err="1">
-                <a:solidFill>
-                  <a:srgbClr val="000000"/>
-                </a:solidFill>
-                <a:latin typeface="Arial"/>
-                <a:ea typeface="Arial"/>
-                <a:cs typeface="Arial"/>
-                <a:sym typeface="Arial"/>
-              </a:rPr>
-              <a:t>B.Tech</a:t>
-            </a:r>
-            <a:r>
-              <a:rPr lang="en-US" sz="2666" dirty="0">
-                <a:solidFill>
-                  <a:srgbClr val="000000"/>
-                </a:solidFill>
-                <a:latin typeface="Arial"/>
-                <a:ea typeface="Arial"/>
-                <a:cs typeface="Arial"/>
-                <a:sym typeface="Arial"/>
-              </a:rPr>
-              <a:t> / M.C.A </a:t>
-            </a:r>
-            <a:r>
-              <a:rPr lang="en-US" sz="2666" dirty="0" err="1">
-                <a:solidFill>
-                  <a:srgbClr val="000000"/>
-                </a:solidFill>
-                <a:latin typeface="Arial"/>
-                <a:ea typeface="Arial"/>
-                <a:cs typeface="Arial"/>
-                <a:sym typeface="Arial"/>
-              </a:rPr>
-              <a:t>Freshers</a:t>
-            </a:r>
-            <a:r>
-              <a:rPr lang="en-US" sz="2666" dirty="0">
-                <a:solidFill>
-                  <a:srgbClr val="000000"/>
-                </a:solidFill>
-                <a:latin typeface="Arial"/>
-                <a:ea typeface="Arial"/>
-                <a:cs typeface="Arial"/>
-                <a:sym typeface="Arial"/>
-              </a:rPr>
-              <a:t>/Students</a:t>
-            </a:r>
-          </a:p>
-          <a:p>
-            <a:pPr marL="381000" marR="0" lvl="0" indent="-220133" algn="l" rtl="0">
-              <a:lnSpc>
-                <a:spcPct val="119792"/>
-              </a:lnSpc>
-              <a:spcBef>
-                <a:spcPts val="479"/>
-              </a:spcBef>
-              <a:spcAft>
-                <a:spcPts val="0"/>
-              </a:spcAft>
-              <a:buClr>
-                <a:srgbClr val="000000"/>
-              </a:buClr>
-              <a:buSzPct val="164609"/>
-              <a:buFont typeface="Arial"/>
-              <a:buChar char="•"/>
-            </a:pPr>
-            <a:r>
-              <a:rPr lang="en-US" sz="2666" dirty="0">
-                <a:solidFill>
-                  <a:srgbClr val="000000"/>
-                </a:solidFill>
-                <a:latin typeface="Arial"/>
-                <a:ea typeface="Arial"/>
-                <a:cs typeface="Arial"/>
-                <a:sym typeface="Arial"/>
-              </a:rPr>
-              <a:t>IT Professionals (Non Java technologies</a:t>
-            </a:r>
-            <a:r>
-              <a:rPr lang="en-US" sz="2666" dirty="0" smtClean="0">
-                <a:solidFill>
-                  <a:srgbClr val="000000"/>
-                </a:solidFill>
-                <a:latin typeface="Arial"/>
-                <a:ea typeface="Arial"/>
-                <a:cs typeface="Arial"/>
-                <a:sym typeface="Arial"/>
-              </a:rPr>
-              <a:t>)</a:t>
-            </a:r>
-          </a:p>
-        </p:txBody>
-      </p:sp>
-    </p:spTree>
-  </p:cSld>
-  <p:clrMapOvr>
-    <a:masterClrMapping/>
-  </p:clrMapOvr>
-  <p:transition spd="slow">
-    <p:cut/>
-  </p:transition>
-  <p:timing>
-    <p:tnLst>
-      <p:par>
-        <p:cTn id="1" dur="indefinite" restart="never" nodeType="tmRoot"/>
-      </p:par>
-    </p:tnLst>
-  </p:timing>
-</p:sld>
-</file>
-
-<file path=ppt/slides/slide30.xml><?xml version="1.0" encoding="utf-8"?>
+<file path=ppt/slides/slide31.xml><?xml version="1.0" encoding="utf-8"?>
 <p:sld xmlns:a="http://schemas.openxmlformats.org/drawingml/2006/main" xmlns:r="http://schemas.openxmlformats.org/officeDocument/2006/relationships" xmlns:p="http://schemas.openxmlformats.org/presentationml/2006/main">
   <p:cSld>
     <p:spTree>
